--- a/5_seminar/contents_part_III/slides/slides_III.pptx
+++ b/5_seminar/contents_part_III/slides/slides_III.pptx
@@ -6394,7 +6394,7 @@
                   <a:schemeClr val="tx1"/>
                 </a:solidFill>
               </a:rPr>
-              <a:t>Demo 12: SA with BERT</a:t>
+              <a:t>Demo 11: SA with BERT</a:t>
             </a:r>
             <a:endParaRPr lang="en-US" sz="4000" b="1">
               <a:solidFill>
